--- a/Presentationsmaterial/Dokument/1.2 Räkna med C#.pptx
+++ b/Presentationsmaterial/Dokument/1.2 Räkna med C#.pptx
@@ -2871,7 +2871,19 @@
                 <a:latin typeface="Times New Roman" pitchFamily="18" charset="0"/>
                 <a:cs typeface="Times New Roman" pitchFamily="18" charset="0"/>
               </a:rPr>
-              <a:t>(14)</a:t>
+              <a:t>(</a:t>
+            </a:r>
+            <a:r>
+              <a:rPr lang="en-US" sz="700" dirty="0" smtClean="0">
+                <a:solidFill>
+                  <a:schemeClr val="bg1">
+                    <a:lumMod val="75000"/>
+                  </a:schemeClr>
+                </a:solidFill>
+                <a:latin typeface="Times New Roman" pitchFamily="18" charset="0"/>
+                <a:cs typeface="Times New Roman" pitchFamily="18" charset="0"/>
+              </a:rPr>
+              <a:t>13)</a:t>
             </a:r>
             <a:endParaRPr lang="en-US" sz="700" dirty="0">
               <a:solidFill>
@@ -7716,8 +7728,8 @@
               <a:t>Allt innehåll i verket </a:t>
             </a:r>
             <a:r>
-              <a:rPr lang="sv-SE" sz="1400" dirty="0" smtClean="0"/>
-              <a:t>Variabler</a:t>
+              <a:rPr lang="sv-SE" sz="1400" smtClean="0"/>
+              <a:t>Räkna med C#</a:t>
             </a:r>
             <a:r>
               <a:rPr lang="sv-SE" sz="1400" dirty="0"/>
@@ -7733,11 +7745,7 @@
             </a:r>
             <a:r>
               <a:rPr lang="sv-SE" sz="1400" dirty="0" smtClean="0"/>
-              <a:t> Beans samt Linnéuniversitetets </a:t>
-            </a:r>
-            <a:r>
-              <a:rPr lang="sv-SE" sz="1400" dirty="0" smtClean="0"/>
-              <a:t>logotyp och symbol, </a:t>
+              <a:t> Beans samt Linnéuniversitetets logotyp och symbol, </a:t>
             </a:r>
             <a:r>
               <a:rPr lang="sv-SE" sz="1400" dirty="0"/>
@@ -7884,15 +7892,7 @@
             </a:r>
             <a:r>
               <a:rPr lang="sv-SE" sz="1400" dirty="0" smtClean="0"/>
-              <a:t> samt Linnéuniversitetets </a:t>
-            </a:r>
-            <a:r>
-              <a:rPr lang="sv-SE" sz="1400" dirty="0" smtClean="0"/>
-              <a:t>logotyp och symbol </a:t>
-            </a:r>
-            <a:r>
-              <a:rPr lang="sv-SE" sz="1400" dirty="0" smtClean="0"/>
-              <a:t>i </a:t>
+              <a:t> samt Linnéuniversitetets logotyp och symbol i </a:t>
             </a:r>
             <a:r>
               <a:rPr lang="sv-SE" sz="1400" dirty="0"/>
@@ -8379,7 +8379,7 @@
           <a:graphicData uri="http://schemas.openxmlformats.org/presentationml/2006/ole">
             <mc:AlternateContent xmlns:mc="http://schemas.openxmlformats.org/markup-compatibility/2006">
               <mc:Choice xmlns:v="urn:schemas-microsoft-com:vml" Requires="v">
-                <p:oleObj spid="_x0000_s11357" name="Equation" r:id="rId3" imgW="1257120" imgH="393480" progId="Equation.3">
+                <p:oleObj spid="_x0000_s11363" name="Equation" r:id="rId3" imgW="1257120" imgH="393480" progId="Equation.3">
                   <p:embed/>
                 </p:oleObj>
               </mc:Choice>
@@ -8455,7 +8455,7 @@
           <a:graphicData uri="http://schemas.openxmlformats.org/presentationml/2006/ole">
             <mc:AlternateContent xmlns:mc="http://schemas.openxmlformats.org/markup-compatibility/2006">
               <mc:Choice xmlns:v="urn:schemas-microsoft-com:vml" Requires="v">
-                <p:oleObj spid="_x0000_s11358" name="Equation" r:id="rId5" imgW="1269720" imgH="393480" progId="Equation.3">
+                <p:oleObj spid="_x0000_s11364" name="Equation" r:id="rId5" imgW="1269720" imgH="393480" progId="Equation.3">
                   <p:embed/>
                 </p:oleObj>
               </mc:Choice>
